--- a/SRS/超算中心运营门户网站的需求规格说明.pptx
+++ b/SRS/超算中心运营门户网站的需求规格说明.pptx
@@ -5,10 +5,10 @@
     <p:sldMasterId id="2147483746" r:id="rId1"/>
   </p:sldMasterIdLst>
   <p:notesMasterIdLst>
-    <p:notesMasterId r:id="rId13"/>
+    <p:notesMasterId r:id="rId14"/>
   </p:notesMasterIdLst>
   <p:handoutMasterIdLst>
-    <p:handoutMasterId r:id="rId14"/>
+    <p:handoutMasterId r:id="rId15"/>
   </p:handoutMasterIdLst>
   <p:sldIdLst>
     <p:sldId id="257" r:id="rId2"/>
@@ -21,7 +21,8 @@
     <p:sldId id="264" r:id="rId9"/>
     <p:sldId id="266" r:id="rId10"/>
     <p:sldId id="265" r:id="rId11"/>
-    <p:sldId id="267" r:id="rId12"/>
+    <p:sldId id="268" r:id="rId12"/>
+    <p:sldId id="267" r:id="rId13"/>
   </p:sldIdLst>
   <p:sldSz cx="12192000" cy="6858000"/>
   <p:notesSz cx="6858000" cy="9144000"/>
@@ -488,7 +489,7 @@
             <a:pPr rtl="0"/>
             <a:fld id="{23A8DBB9-FF4D-4FDA-AD34-27FA86519578}" type="datetime1">
               <a:rPr lang="zh-CN" altLang="en-US" smtClean="0"/>
-              <a:t>2024/6/3</a:t>
+              <a:t>2024/6/4</a:t>
             </a:fld>
             <a:endParaRPr lang="en-US"/>
           </a:p>
@@ -658,7 +659,7 @@
             <a:pPr rtl="0"/>
             <a:fld id="{8E1CCE20-FD2F-40C5-ABE3-3369F20AA0E6}" type="datetime1">
               <a:rPr lang="zh-CN" altLang="en-US" smtClean="0"/>
-              <a:t>2024/6/3</a:t>
+              <a:t>2024/6/4</a:t>
             </a:fld>
             <a:endParaRPr lang="en-US"/>
           </a:p>
@@ -1178,7 +1179,7 @@
             <a:pPr rtl="0"/>
             <a:fld id="{E203234F-2943-4AD6-8E73-34C216403FC9}" type="datetime1">
               <a:rPr lang="zh-CN" altLang="en-US" smtClean="0"/>
-              <a:t>2024/6/3</a:t>
+              <a:t>2024/6/4</a:t>
             </a:fld>
             <a:endParaRPr lang="en-US" dirty="0"/>
           </a:p>
@@ -1370,7 +1371,7 @@
             <a:pPr rtl="0"/>
             <a:fld id="{6818B044-5115-4C63-8F06-0D627F0729F0}" type="datetime1">
               <a:rPr lang="zh-CN" altLang="en-US" smtClean="0"/>
-              <a:t>2024/6/3</a:t>
+              <a:t>2024/6/4</a:t>
             </a:fld>
             <a:endParaRPr lang="en-US" dirty="0"/>
           </a:p>
@@ -1616,7 +1617,7 @@
             <a:pPr rtl="0"/>
             <a:fld id="{C0E476C3-78BD-40CB-9C6F-0D41DD7E1D50}" type="datetime1">
               <a:rPr lang="zh-CN" altLang="en-US" smtClean="0"/>
-              <a:t>2024/6/3</a:t>
+              <a:t>2024/6/4</a:t>
             </a:fld>
             <a:endParaRPr lang="en-US" dirty="0"/>
           </a:p>
@@ -1808,7 +1809,7 @@
             <a:pPr rtl="0"/>
             <a:fld id="{A24A4C0A-F292-41BE-9CD1-530467B1B9F8}" type="datetime1">
               <a:rPr lang="zh-CN" altLang="en-US" smtClean="0"/>
-              <a:t>2024/6/3</a:t>
+              <a:t>2024/6/4</a:t>
             </a:fld>
             <a:endParaRPr lang="en-US" dirty="0"/>
           </a:p>
@@ -2185,7 +2186,7 @@
             <a:pPr rtl="0"/>
             <a:fld id="{C31630FC-7090-4D1C-93D5-113C82941F4E}" type="datetime1">
               <a:rPr lang="zh-CN" altLang="en-US" smtClean="0"/>
-              <a:t>2024/6/3</a:t>
+              <a:t>2024/6/4</a:t>
             </a:fld>
             <a:endParaRPr lang="en-US" dirty="0"/>
           </a:p>
@@ -2444,7 +2445,7 @@
             <a:pPr rtl="0"/>
             <a:fld id="{81EDFCFC-F8E9-4049-95DD-C79391CC7BFF}" type="datetime1">
               <a:rPr lang="zh-CN" altLang="en-US" smtClean="0"/>
-              <a:t>2024/6/3</a:t>
+              <a:t>2024/6/4</a:t>
             </a:fld>
             <a:endParaRPr lang="en-US" dirty="0"/>
           </a:p>
@@ -2845,7 +2846,7 @@
             <a:pPr rtl="0"/>
             <a:fld id="{EFBE5E81-E012-42C1-892B-1E2892457684}" type="datetime1">
               <a:rPr lang="zh-CN" altLang="en-US" smtClean="0"/>
-              <a:t>2024/6/3</a:t>
+              <a:t>2024/6/4</a:t>
             </a:fld>
             <a:endParaRPr lang="en-US" dirty="0"/>
           </a:p>
@@ -2985,7 +2986,7 @@
             <a:pPr rtl="0"/>
             <a:fld id="{DA05DBCF-E3D4-4FC7-9203-C0C05B2BAA55}" type="datetime1">
               <a:rPr lang="zh-CN" altLang="en-US" smtClean="0"/>
-              <a:t>2024/6/3</a:t>
+              <a:t>2024/6/4</a:t>
             </a:fld>
             <a:endParaRPr lang="en-US" dirty="0"/>
           </a:p>
@@ -3145,7 +3146,7 @@
             <a:pPr rtl="0"/>
             <a:fld id="{4910A522-F0F5-43AE-870D-B1652467F5E7}" type="datetime1">
               <a:rPr lang="zh-CN" altLang="en-US" smtClean="0"/>
-              <a:t>2024/6/3</a:t>
+              <a:t>2024/6/4</a:t>
             </a:fld>
             <a:endParaRPr lang="en-US" dirty="0"/>
           </a:p>
@@ -3478,7 +3479,7 @@
             <a:pPr rtl="0"/>
             <a:fld id="{4571CF06-CFCF-4651-AD58-EA72AF9A9AA5}" type="datetime1">
               <a:rPr lang="zh-CN" altLang="en-US" smtClean="0"/>
-              <a:t>2024/6/3</a:t>
+              <a:t>2024/6/4</a:t>
             </a:fld>
             <a:endParaRPr lang="en-US" dirty="0"/>
           </a:p>
@@ -3833,7 +3834,7 @@
             <a:pPr rtl="0"/>
             <a:fld id="{A78803E1-1726-4879-80E3-452B390141DD}" type="datetime1">
               <a:rPr lang="zh-CN" altLang="en-US" smtClean="0"/>
-              <a:t>2024/6/3</a:t>
+              <a:t>2024/6/4</a:t>
             </a:fld>
             <a:endParaRPr lang="en-US" dirty="0"/>
           </a:p>
@@ -4098,7 +4099,7 @@
           <a:p>
             <a:fld id="{4ECCA8BC-1B61-46E2-9581-00FC2FDA063C}" type="datetime1">
               <a:rPr lang="zh-CN" altLang="en-US" smtClean="0"/>
-              <a:t>2024/6/3</a:t>
+              <a:t>2024/6/4</a:t>
             </a:fld>
             <a:endParaRPr lang="en-US" dirty="0"/>
           </a:p>
@@ -5485,6 +5486,727 @@
 <file path=ppt/slides/slide11.xml><?xml version="1.0" encoding="utf-8"?>
 <p:sld xmlns:a="http://schemas.openxmlformats.org/drawingml/2006/main" xmlns:r="http://schemas.openxmlformats.org/officeDocument/2006/relationships" xmlns:p="http://schemas.openxmlformats.org/presentationml/2006/main">
   <p:cSld>
+    <p:spTree>
+      <p:nvGrpSpPr>
+        <p:cNvPr id="1" name=""/>
+        <p:cNvGrpSpPr/>
+        <p:nvPr/>
+      </p:nvGrpSpPr>
+      <p:grpSpPr>
+        <a:xfrm>
+          <a:off x="0" y="0"/>
+          <a:ext cx="0" cy="0"/>
+          <a:chOff x="0" y="0"/>
+          <a:chExt cx="0" cy="0"/>
+        </a:xfrm>
+      </p:grpSpPr>
+      <p:sp>
+        <p:nvSpPr>
+          <p:cNvPr id="2" name="标题 1">
+            <a:extLst>
+              <a:ext uri="{FF2B5EF4-FFF2-40B4-BE49-F238E27FC236}">
+                <a16:creationId xmlns:a16="http://schemas.microsoft.com/office/drawing/2014/main" id="{7952A84B-A1BD-FFA2-CC8E-D7F2A7D74A7E}"/>
+              </a:ext>
+            </a:extLst>
+          </p:cNvPr>
+          <p:cNvSpPr>
+            <a:spLocks noGrp="1"/>
+          </p:cNvSpPr>
+          <p:nvPr>
+            <p:ph type="title"/>
+          </p:nvPr>
+        </p:nvSpPr>
+        <p:spPr>
+          <a:xfrm>
+            <a:off x="2703442" y="1078360"/>
+            <a:ext cx="5890141" cy="748452"/>
+          </a:xfrm>
+        </p:spPr>
+        <p:txBody>
+          <a:bodyPr>
+            <a:normAutofit/>
+          </a:bodyPr>
+          <a:lstStyle/>
+          <a:p>
+            <a:r>
+              <a:rPr lang="zh-CN" altLang="en-US" dirty="0"/>
+              <a:t>团队分工打分</a:t>
+            </a:r>
+          </a:p>
+        </p:txBody>
+      </p:sp>
+      <p:sp>
+        <p:nvSpPr>
+          <p:cNvPr id="3" name="文本框 2">
+            <a:extLst>
+              <a:ext uri="{FF2B5EF4-FFF2-40B4-BE49-F238E27FC236}">
+                <a16:creationId xmlns:a16="http://schemas.microsoft.com/office/drawing/2014/main" id="{CA617C93-2E26-D875-063F-4B2B5CD26C4A}"/>
+              </a:ext>
+            </a:extLst>
+          </p:cNvPr>
+          <p:cNvSpPr txBox="1"/>
+          <p:nvPr/>
+        </p:nvSpPr>
+        <p:spPr>
+          <a:xfrm>
+            <a:off x="747958" y="2273280"/>
+            <a:ext cx="10042120" cy="1477328"/>
+          </a:xfrm>
+          <a:prstGeom prst="rect">
+            <a:avLst/>
+          </a:prstGeom>
+          <a:noFill/>
+        </p:spPr>
+        <p:txBody>
+          <a:bodyPr wrap="square" rtlCol="0">
+            <a:spAutoFit/>
+          </a:bodyPr>
+          <a:lstStyle/>
+          <a:p>
+            <a:pPr algn="just"/>
+            <a:r>
+              <a:rPr lang="zh-CN" altLang="en-US" sz="1800" kern="100" dirty="0">
+                <a:effectLst/>
+                <a:latin typeface="微软雅黑" panose="020B0503020204020204" pitchFamily="34" charset="-122"/>
+                <a:ea typeface="微软雅黑" panose="020B0503020204020204" pitchFamily="34" charset="-122"/>
+                <a:cs typeface="Times New Roman" panose="02020603050405020304" pitchFamily="18" charset="0"/>
+              </a:rPr>
+              <a:t>人员分工：</a:t>
+            </a:r>
+            <a:endParaRPr lang="en-US" altLang="zh-CN" sz="1800" kern="100" dirty="0">
+              <a:effectLst/>
+              <a:latin typeface="微软雅黑" panose="020B0503020204020204" pitchFamily="34" charset="-122"/>
+              <a:ea typeface="微软雅黑" panose="020B0503020204020204" pitchFamily="34" charset="-122"/>
+              <a:cs typeface="Times New Roman" panose="02020603050405020304" pitchFamily="18" charset="0"/>
+            </a:endParaRPr>
+          </a:p>
+          <a:p>
+            <a:pPr algn="just"/>
+            <a:r>
+              <a:rPr lang="zh-CN" altLang="zh-CN" sz="1800" kern="100" dirty="0">
+                <a:effectLst/>
+                <a:latin typeface="微软雅黑" panose="020B0503020204020204" pitchFamily="34" charset="-122"/>
+                <a:ea typeface="微软雅黑" panose="020B0503020204020204" pitchFamily="34" charset="-122"/>
+                <a:cs typeface="Times New Roman" panose="02020603050405020304" pitchFamily="18" charset="0"/>
+              </a:rPr>
+              <a:t>罗骏辉负责：</a:t>
+            </a:r>
+            <a:r>
+              <a:rPr lang="en-US" altLang="zh-CN" sz="1800" kern="100" dirty="0">
+                <a:effectLst/>
+                <a:latin typeface="微软雅黑" panose="020B0503020204020204" pitchFamily="34" charset="-122"/>
+                <a:ea typeface="微软雅黑" panose="020B0503020204020204" pitchFamily="34" charset="-122"/>
+                <a:cs typeface="Times New Roman" panose="02020603050405020304" pitchFamily="18" charset="0"/>
+              </a:rPr>
+              <a:t>ppt</a:t>
+            </a:r>
+            <a:r>
+              <a:rPr lang="zh-CN" altLang="en-US" sz="1800" kern="100" dirty="0">
+                <a:effectLst/>
+                <a:latin typeface="微软雅黑" panose="020B0503020204020204" pitchFamily="34" charset="-122"/>
+                <a:ea typeface="微软雅黑" panose="020B0503020204020204" pitchFamily="34" charset="-122"/>
+                <a:cs typeface="Times New Roman" panose="02020603050405020304" pitchFamily="18" charset="0"/>
+              </a:rPr>
+              <a:t>制作，</a:t>
+            </a:r>
+            <a:r>
+              <a:rPr lang="zh-CN" altLang="en-US" kern="100" dirty="0">
+                <a:latin typeface="微软雅黑" panose="020B0503020204020204" pitchFamily="34" charset="-122"/>
+                <a:ea typeface="微软雅黑" panose="020B0503020204020204" pitchFamily="34" charset="-122"/>
+                <a:cs typeface="Times New Roman" panose="02020603050405020304" pitchFamily="18" charset="0"/>
+              </a:rPr>
+              <a:t>写</a:t>
+            </a:r>
+            <a:r>
+              <a:rPr lang="en-US" altLang="zh-CN" sz="1800" kern="100" dirty="0">
+                <a:effectLst/>
+                <a:latin typeface="微软雅黑" panose="020B0503020204020204" pitchFamily="34" charset="-122"/>
+                <a:ea typeface="微软雅黑" panose="020B0503020204020204" pitchFamily="34" charset="-122"/>
+                <a:cs typeface="Times New Roman" panose="02020603050405020304" pitchFamily="18" charset="0"/>
+              </a:rPr>
+              <a:t>SRS</a:t>
+            </a:r>
+            <a:r>
+              <a:rPr lang="zh-CN" altLang="en-US" sz="1800" kern="100" dirty="0">
+                <a:effectLst/>
+                <a:latin typeface="微软雅黑" panose="020B0503020204020204" pitchFamily="34" charset="-122"/>
+                <a:ea typeface="微软雅黑" panose="020B0503020204020204" pitchFamily="34" charset="-122"/>
+                <a:cs typeface="Times New Roman" panose="02020603050405020304" pitchFamily="18" charset="0"/>
+              </a:rPr>
+              <a:t>和用户手册，界面原型的制作，</a:t>
+            </a:r>
+            <a:r>
+              <a:rPr lang="en-US" altLang="zh-CN" sz="1800" kern="100" dirty="0">
+                <a:effectLst/>
+                <a:latin typeface="微软雅黑" panose="020B0503020204020204" pitchFamily="34" charset="-122"/>
+                <a:ea typeface="微软雅黑" panose="020B0503020204020204" pitchFamily="34" charset="-122"/>
+                <a:cs typeface="Times New Roman" panose="02020603050405020304" pitchFamily="18" charset="0"/>
+              </a:rPr>
+              <a:t>UML</a:t>
+            </a:r>
+            <a:r>
+              <a:rPr lang="zh-CN" altLang="en-US" sz="1800" kern="100" dirty="0">
+                <a:effectLst/>
+                <a:latin typeface="微软雅黑" panose="020B0503020204020204" pitchFamily="34" charset="-122"/>
+                <a:ea typeface="微软雅黑" panose="020B0503020204020204" pitchFamily="34" charset="-122"/>
+                <a:cs typeface="Times New Roman" panose="02020603050405020304" pitchFamily="18" charset="0"/>
+              </a:rPr>
+              <a:t>图的绘制</a:t>
+            </a:r>
+            <a:endParaRPr lang="zh-CN" altLang="zh-CN" sz="1800" kern="100" dirty="0">
+              <a:effectLst/>
+              <a:latin typeface="微软雅黑" panose="020B0503020204020204" pitchFamily="34" charset="-122"/>
+              <a:ea typeface="微软雅黑" panose="020B0503020204020204" pitchFamily="34" charset="-122"/>
+              <a:cs typeface="Times New Roman" panose="02020603050405020304" pitchFamily="18" charset="0"/>
+            </a:endParaRPr>
+          </a:p>
+          <a:p>
+            <a:pPr algn="just"/>
+            <a:r>
+              <a:rPr lang="zh-CN" altLang="zh-CN" sz="1800" kern="100" dirty="0">
+                <a:effectLst/>
+                <a:latin typeface="微软雅黑" panose="020B0503020204020204" pitchFamily="34" charset="-122"/>
+                <a:ea typeface="微软雅黑" panose="020B0503020204020204" pitchFamily="34" charset="-122"/>
+                <a:cs typeface="Times New Roman" panose="02020603050405020304" pitchFamily="18" charset="0"/>
+              </a:rPr>
+              <a:t>卢晨阳、陆宇涵：用例文档</a:t>
+            </a:r>
+            <a:r>
+              <a:rPr lang="zh-CN" altLang="en-US" sz="1800" kern="100" dirty="0">
+                <a:effectLst/>
+                <a:latin typeface="微软雅黑" panose="020B0503020204020204" pitchFamily="34" charset="-122"/>
+                <a:ea typeface="微软雅黑" panose="020B0503020204020204" pitchFamily="34" charset="-122"/>
+                <a:cs typeface="Times New Roman" panose="02020603050405020304" pitchFamily="18" charset="0"/>
+              </a:rPr>
+              <a:t>，协助组长完成</a:t>
+            </a:r>
+            <a:r>
+              <a:rPr lang="en-US" altLang="zh-CN" sz="1800" kern="100" dirty="0">
+                <a:effectLst/>
+                <a:latin typeface="微软雅黑" panose="020B0503020204020204" pitchFamily="34" charset="-122"/>
+                <a:ea typeface="微软雅黑" panose="020B0503020204020204" pitchFamily="34" charset="-122"/>
+                <a:cs typeface="Times New Roman" panose="02020603050405020304" pitchFamily="18" charset="0"/>
+              </a:rPr>
+              <a:t>SRS</a:t>
+            </a:r>
+            <a:r>
+              <a:rPr lang="zh-CN" altLang="en-US" sz="1800" kern="100" dirty="0">
+                <a:effectLst/>
+                <a:latin typeface="微软雅黑" panose="020B0503020204020204" pitchFamily="34" charset="-122"/>
+                <a:ea typeface="微软雅黑" panose="020B0503020204020204" pitchFamily="34" charset="-122"/>
+                <a:cs typeface="Times New Roman" panose="02020603050405020304" pitchFamily="18" charset="0"/>
+              </a:rPr>
+              <a:t>，界面原型的制作，</a:t>
+            </a:r>
+            <a:r>
+              <a:rPr lang="en-US" altLang="zh-CN" sz="1800" kern="100" dirty="0">
+                <a:effectLst/>
+                <a:latin typeface="微软雅黑" panose="020B0503020204020204" pitchFamily="34" charset="-122"/>
+                <a:ea typeface="微软雅黑" panose="020B0503020204020204" pitchFamily="34" charset="-122"/>
+                <a:cs typeface="Times New Roman" panose="02020603050405020304" pitchFamily="18" charset="0"/>
+              </a:rPr>
+              <a:t>UML</a:t>
+            </a:r>
+            <a:r>
+              <a:rPr lang="zh-CN" altLang="en-US" sz="1800" kern="100" dirty="0">
+                <a:effectLst/>
+                <a:latin typeface="微软雅黑" panose="020B0503020204020204" pitchFamily="34" charset="-122"/>
+                <a:ea typeface="微软雅黑" panose="020B0503020204020204" pitchFamily="34" charset="-122"/>
+                <a:cs typeface="Times New Roman" panose="02020603050405020304" pitchFamily="18" charset="0"/>
+              </a:rPr>
+              <a:t>图的绘制</a:t>
+            </a:r>
+            <a:endParaRPr lang="zh-CN" altLang="zh-CN" sz="1800" kern="100" dirty="0">
+              <a:effectLst/>
+              <a:latin typeface="微软雅黑" panose="020B0503020204020204" pitchFamily="34" charset="-122"/>
+              <a:ea typeface="微软雅黑" panose="020B0503020204020204" pitchFamily="34" charset="-122"/>
+              <a:cs typeface="Times New Roman" panose="02020603050405020304" pitchFamily="18" charset="0"/>
+            </a:endParaRPr>
+          </a:p>
+          <a:p>
+            <a:pPr algn="just"/>
+            <a:r>
+              <a:rPr lang="zh-CN" altLang="zh-CN" sz="1800" kern="100" dirty="0">
+                <a:effectLst/>
+                <a:latin typeface="微软雅黑" panose="020B0503020204020204" pitchFamily="34" charset="-122"/>
+                <a:ea typeface="微软雅黑" panose="020B0503020204020204" pitchFamily="34" charset="-122"/>
+                <a:cs typeface="Times New Roman" panose="02020603050405020304" pitchFamily="18" charset="0"/>
+              </a:rPr>
+              <a:t>周帅、周驰原：测试文档</a:t>
+            </a:r>
+            <a:r>
+              <a:rPr lang="zh-CN" altLang="en-US" sz="1800" kern="100" dirty="0">
+                <a:effectLst/>
+                <a:latin typeface="微软雅黑" panose="020B0503020204020204" pitchFamily="34" charset="-122"/>
+                <a:ea typeface="微软雅黑" panose="020B0503020204020204" pitchFamily="34" charset="-122"/>
+                <a:cs typeface="Times New Roman" panose="02020603050405020304" pitchFamily="18" charset="0"/>
+              </a:rPr>
+              <a:t>，协助组长</a:t>
+            </a:r>
+            <a:r>
+              <a:rPr lang="zh-CN" altLang="en-US" kern="100" dirty="0">
+                <a:latin typeface="微软雅黑" panose="020B0503020204020204" pitchFamily="34" charset="-122"/>
+                <a:ea typeface="微软雅黑" panose="020B0503020204020204" pitchFamily="34" charset="-122"/>
+                <a:cs typeface="Times New Roman" panose="02020603050405020304" pitchFamily="18" charset="0"/>
+              </a:rPr>
+              <a:t>完成</a:t>
+            </a:r>
+            <a:r>
+              <a:rPr lang="en-US" altLang="zh-CN" kern="100" dirty="0">
+                <a:latin typeface="微软雅黑" panose="020B0503020204020204" pitchFamily="34" charset="-122"/>
+                <a:ea typeface="微软雅黑" panose="020B0503020204020204" pitchFamily="34" charset="-122"/>
+                <a:cs typeface="Times New Roman" panose="02020603050405020304" pitchFamily="18" charset="0"/>
+              </a:rPr>
+              <a:t>SRS</a:t>
+            </a:r>
+            <a:r>
+              <a:rPr lang="zh-CN" altLang="en-US" kern="100" dirty="0">
+                <a:latin typeface="微软雅黑" panose="020B0503020204020204" pitchFamily="34" charset="-122"/>
+                <a:ea typeface="微软雅黑" panose="020B0503020204020204" pitchFamily="34" charset="-122"/>
+                <a:cs typeface="Times New Roman" panose="02020603050405020304" pitchFamily="18" charset="0"/>
+              </a:rPr>
+              <a:t>，界面原型的制作，</a:t>
+            </a:r>
+            <a:r>
+              <a:rPr lang="en-US" altLang="zh-CN" kern="100" dirty="0">
+                <a:latin typeface="微软雅黑" panose="020B0503020204020204" pitchFamily="34" charset="-122"/>
+                <a:ea typeface="微软雅黑" panose="020B0503020204020204" pitchFamily="34" charset="-122"/>
+                <a:cs typeface="Times New Roman" panose="02020603050405020304" pitchFamily="18" charset="0"/>
+              </a:rPr>
+              <a:t>UML</a:t>
+            </a:r>
+            <a:r>
+              <a:rPr lang="zh-CN" altLang="en-US" kern="100" dirty="0">
+                <a:latin typeface="微软雅黑" panose="020B0503020204020204" pitchFamily="34" charset="-122"/>
+                <a:ea typeface="微软雅黑" panose="020B0503020204020204" pitchFamily="34" charset="-122"/>
+                <a:cs typeface="Times New Roman" panose="02020603050405020304" pitchFamily="18" charset="0"/>
+              </a:rPr>
+              <a:t>图的绘制</a:t>
+            </a:r>
+            <a:endParaRPr lang="zh-CN" altLang="zh-CN" sz="1800" kern="100" dirty="0">
+              <a:effectLst/>
+              <a:latin typeface="微软雅黑" panose="020B0503020204020204" pitchFamily="34" charset="-122"/>
+              <a:ea typeface="微软雅黑" panose="020B0503020204020204" pitchFamily="34" charset="-122"/>
+              <a:cs typeface="Times New Roman" panose="02020603050405020304" pitchFamily="18" charset="0"/>
+            </a:endParaRPr>
+          </a:p>
+          <a:p>
+            <a:endParaRPr lang="zh-CN" altLang="en-US" dirty="0"/>
+          </a:p>
+        </p:txBody>
+      </p:sp>
+      <p:sp>
+        <p:nvSpPr>
+          <p:cNvPr id="6" name="文本框 5">
+            <a:extLst>
+              <a:ext uri="{FF2B5EF4-FFF2-40B4-BE49-F238E27FC236}">
+                <a16:creationId xmlns:a16="http://schemas.microsoft.com/office/drawing/2014/main" id="{8D442DCE-50EB-10A8-4877-28E512EFB237}"/>
+              </a:ext>
+            </a:extLst>
+          </p:cNvPr>
+          <p:cNvSpPr txBox="1"/>
+          <p:nvPr/>
+        </p:nvSpPr>
+        <p:spPr>
+          <a:xfrm>
+            <a:off x="747958" y="3542982"/>
+            <a:ext cx="9186169" cy="2585323"/>
+          </a:xfrm>
+          <a:prstGeom prst="rect">
+            <a:avLst/>
+          </a:prstGeom>
+          <a:noFill/>
+        </p:spPr>
+        <p:txBody>
+          <a:bodyPr wrap="square">
+            <a:spAutoFit/>
+          </a:bodyPr>
+          <a:lstStyle/>
+          <a:p>
+            <a:r>
+              <a:rPr lang="zh-CN" altLang="en-US" dirty="0">
+                <a:latin typeface="微软雅黑" panose="020B0503020204020204" pitchFamily="34" charset="-122"/>
+                <a:ea typeface="微软雅黑" panose="020B0503020204020204" pitchFamily="34" charset="-122"/>
+              </a:rPr>
+              <a:t>评价：罗骏辉（</a:t>
+            </a:r>
+            <a:r>
+              <a:rPr lang="en-US" altLang="zh-CN" dirty="0">
+                <a:latin typeface="微软雅黑" panose="020B0503020204020204" pitchFamily="34" charset="-122"/>
+                <a:ea typeface="微软雅黑" panose="020B0503020204020204" pitchFamily="34" charset="-122"/>
+              </a:rPr>
+              <a:t>87</a:t>
+            </a:r>
+            <a:r>
+              <a:rPr lang="zh-CN" altLang="en-US" dirty="0">
+                <a:latin typeface="微软雅黑" panose="020B0503020204020204" pitchFamily="34" charset="-122"/>
+                <a:ea typeface="微软雅黑" panose="020B0503020204020204" pitchFamily="34" charset="-122"/>
+              </a:rPr>
+              <a:t>）陆宇涵（</a:t>
+            </a:r>
+            <a:r>
+              <a:rPr lang="en-US" altLang="zh-CN" dirty="0">
+                <a:latin typeface="微软雅黑" panose="020B0503020204020204" pitchFamily="34" charset="-122"/>
+                <a:ea typeface="微软雅黑" panose="020B0503020204020204" pitchFamily="34" charset="-122"/>
+              </a:rPr>
+              <a:t>89</a:t>
+            </a:r>
+            <a:r>
+              <a:rPr lang="zh-CN" altLang="en-US" dirty="0">
+                <a:latin typeface="微软雅黑" panose="020B0503020204020204" pitchFamily="34" charset="-122"/>
+                <a:ea typeface="微软雅黑" panose="020B0503020204020204" pitchFamily="34" charset="-122"/>
+              </a:rPr>
+              <a:t>）周帅（</a:t>
+            </a:r>
+            <a:r>
+              <a:rPr lang="en-US" altLang="zh-CN" dirty="0">
+                <a:latin typeface="微软雅黑" panose="020B0503020204020204" pitchFamily="34" charset="-122"/>
+                <a:ea typeface="微软雅黑" panose="020B0503020204020204" pitchFamily="34" charset="-122"/>
+              </a:rPr>
+              <a:t>92</a:t>
+            </a:r>
+            <a:r>
+              <a:rPr lang="zh-CN" altLang="en-US" dirty="0">
+                <a:latin typeface="微软雅黑" panose="020B0503020204020204" pitchFamily="34" charset="-122"/>
+                <a:ea typeface="微软雅黑" panose="020B0503020204020204" pitchFamily="34" charset="-122"/>
+              </a:rPr>
+              <a:t>）卢晨阳（</a:t>
+            </a:r>
+            <a:r>
+              <a:rPr lang="en-US" altLang="zh-CN" dirty="0">
+                <a:latin typeface="微软雅黑" panose="020B0503020204020204" pitchFamily="34" charset="-122"/>
+                <a:ea typeface="微软雅黑" panose="020B0503020204020204" pitchFamily="34" charset="-122"/>
+              </a:rPr>
+              <a:t>88</a:t>
+            </a:r>
+            <a:r>
+              <a:rPr lang="zh-CN" altLang="en-US" dirty="0">
+                <a:latin typeface="微软雅黑" panose="020B0503020204020204" pitchFamily="34" charset="-122"/>
+                <a:ea typeface="微软雅黑" panose="020B0503020204020204" pitchFamily="34" charset="-122"/>
+              </a:rPr>
+              <a:t>）周驰原（</a:t>
+            </a:r>
+            <a:r>
+              <a:rPr lang="en-US" altLang="zh-CN" dirty="0">
+                <a:latin typeface="微软雅黑" panose="020B0503020204020204" pitchFamily="34" charset="-122"/>
+                <a:ea typeface="微软雅黑" panose="020B0503020204020204" pitchFamily="34" charset="-122"/>
+              </a:rPr>
+              <a:t>87.75</a:t>
+            </a:r>
+            <a:r>
+              <a:rPr lang="zh-CN" altLang="en-US" dirty="0">
+                <a:latin typeface="微软雅黑" panose="020B0503020204020204" pitchFamily="34" charset="-122"/>
+                <a:ea typeface="微软雅黑" panose="020B0503020204020204" pitchFamily="34" charset="-122"/>
+              </a:rPr>
+              <a:t>）</a:t>
+            </a:r>
+          </a:p>
+          <a:p>
+            <a:r>
+              <a:rPr lang="zh-CN" altLang="en-US" dirty="0">
+                <a:latin typeface="微软雅黑" panose="020B0503020204020204" pitchFamily="34" charset="-122"/>
+                <a:ea typeface="微软雅黑" panose="020B0503020204020204" pitchFamily="34" charset="-122"/>
+              </a:rPr>
+              <a:t>评分标准：工作量（</a:t>
+            </a:r>
+            <a:r>
+              <a:rPr lang="en-US" altLang="zh-CN" dirty="0">
+                <a:latin typeface="微软雅黑" panose="020B0503020204020204" pitchFamily="34" charset="-122"/>
+                <a:ea typeface="微软雅黑" panose="020B0503020204020204" pitchFamily="34" charset="-122"/>
+              </a:rPr>
+              <a:t>30</a:t>
+            </a:r>
+            <a:r>
+              <a:rPr lang="zh-CN" altLang="en-US" dirty="0">
+                <a:latin typeface="微软雅黑" panose="020B0503020204020204" pitchFamily="34" charset="-122"/>
+                <a:ea typeface="微软雅黑" panose="020B0503020204020204" pitchFamily="34" charset="-122"/>
+              </a:rPr>
+              <a:t>）、需求完成有没有延误（</a:t>
+            </a:r>
+            <a:r>
+              <a:rPr lang="en-US" altLang="zh-CN" dirty="0">
+                <a:latin typeface="微软雅黑" panose="020B0503020204020204" pitchFamily="34" charset="-122"/>
+                <a:ea typeface="微软雅黑" panose="020B0503020204020204" pitchFamily="34" charset="-122"/>
+              </a:rPr>
+              <a:t>10</a:t>
+            </a:r>
+            <a:r>
+              <a:rPr lang="zh-CN" altLang="en-US" dirty="0">
+                <a:latin typeface="微软雅黑" panose="020B0503020204020204" pitchFamily="34" charset="-122"/>
+                <a:ea typeface="微软雅黑" panose="020B0503020204020204" pitchFamily="34" charset="-122"/>
+              </a:rPr>
+              <a:t>）、工作项完成率（</a:t>
+            </a:r>
+            <a:r>
+              <a:rPr lang="en-US" altLang="zh-CN" dirty="0">
+                <a:latin typeface="微软雅黑" panose="020B0503020204020204" pitchFamily="34" charset="-122"/>
+                <a:ea typeface="微软雅黑" panose="020B0503020204020204" pitchFamily="34" charset="-122"/>
+              </a:rPr>
+              <a:t>20</a:t>
+            </a:r>
+            <a:r>
+              <a:rPr lang="zh-CN" altLang="en-US" dirty="0">
+                <a:latin typeface="微软雅黑" panose="020B0503020204020204" pitchFamily="34" charset="-122"/>
+                <a:ea typeface="微软雅黑" panose="020B0503020204020204" pitchFamily="34" charset="-122"/>
+              </a:rPr>
+              <a:t>）（</a:t>
+            </a:r>
+            <a:r>
+              <a:rPr lang="en-US" altLang="zh-CN" dirty="0" err="1">
+                <a:latin typeface="微软雅黑" panose="020B0503020204020204" pitchFamily="34" charset="-122"/>
+                <a:ea typeface="微软雅黑" panose="020B0503020204020204" pitchFamily="34" charset="-122"/>
+              </a:rPr>
+              <a:t>PingCode</a:t>
+            </a:r>
+            <a:r>
+              <a:rPr lang="zh-CN" altLang="en-US" dirty="0">
+                <a:latin typeface="微软雅黑" panose="020B0503020204020204" pitchFamily="34" charset="-122"/>
+                <a:ea typeface="微软雅黑" panose="020B0503020204020204" pitchFamily="34" charset="-122"/>
+              </a:rPr>
+              <a:t>的表格中都有）、组内互评（</a:t>
+            </a:r>
+            <a:r>
+              <a:rPr lang="en-US" altLang="zh-CN" dirty="0">
+                <a:latin typeface="微软雅黑" panose="020B0503020204020204" pitchFamily="34" charset="-122"/>
+                <a:ea typeface="微软雅黑" panose="020B0503020204020204" pitchFamily="34" charset="-122"/>
+              </a:rPr>
+              <a:t>40</a:t>
+            </a:r>
+            <a:r>
+              <a:rPr lang="zh-CN" altLang="en-US" dirty="0">
+                <a:latin typeface="微软雅黑" panose="020B0503020204020204" pitchFamily="34" charset="-122"/>
+                <a:ea typeface="微软雅黑" panose="020B0503020204020204" pitchFamily="34" charset="-122"/>
+              </a:rPr>
+              <a:t>）</a:t>
+            </a:r>
+          </a:p>
+          <a:p>
+            <a:r>
+              <a:rPr lang="zh-CN" altLang="en-US" dirty="0">
+                <a:latin typeface="微软雅黑" panose="020B0503020204020204" pitchFamily="34" charset="-122"/>
+                <a:ea typeface="微软雅黑" panose="020B0503020204020204" pitchFamily="34" charset="-122"/>
+              </a:rPr>
+              <a:t>其中工作量的评价分为</a:t>
+            </a:r>
+            <a:r>
+              <a:rPr lang="en-US" altLang="zh-CN" dirty="0">
+                <a:latin typeface="微软雅黑" panose="020B0503020204020204" pitchFamily="34" charset="-122"/>
+                <a:ea typeface="微软雅黑" panose="020B0503020204020204" pitchFamily="34" charset="-122"/>
+              </a:rPr>
+              <a:t>A</a:t>
+            </a:r>
+            <a:r>
+              <a:rPr lang="zh-CN" altLang="en-US" dirty="0">
+                <a:latin typeface="微软雅黑" panose="020B0503020204020204" pitchFamily="34" charset="-122"/>
+                <a:ea typeface="微软雅黑" panose="020B0503020204020204" pitchFamily="34" charset="-122"/>
+              </a:rPr>
+              <a:t>、</a:t>
+            </a:r>
+            <a:r>
+              <a:rPr lang="en-US" altLang="zh-CN" dirty="0">
+                <a:latin typeface="微软雅黑" panose="020B0503020204020204" pitchFamily="34" charset="-122"/>
+                <a:ea typeface="微软雅黑" panose="020B0503020204020204" pitchFamily="34" charset="-122"/>
+              </a:rPr>
+              <a:t>B</a:t>
+            </a:r>
+            <a:r>
+              <a:rPr lang="zh-CN" altLang="en-US" dirty="0">
+                <a:latin typeface="微软雅黑" panose="020B0503020204020204" pitchFamily="34" charset="-122"/>
+                <a:ea typeface="微软雅黑" panose="020B0503020204020204" pitchFamily="34" charset="-122"/>
+              </a:rPr>
+              <a:t>、</a:t>
+            </a:r>
+            <a:r>
+              <a:rPr lang="en-US" altLang="zh-CN" dirty="0">
+                <a:latin typeface="微软雅黑" panose="020B0503020204020204" pitchFamily="34" charset="-122"/>
+                <a:ea typeface="微软雅黑" panose="020B0503020204020204" pitchFamily="34" charset="-122"/>
+              </a:rPr>
+              <a:t>C</a:t>
+            </a:r>
+            <a:r>
+              <a:rPr lang="zh-CN" altLang="en-US" dirty="0">
+                <a:latin typeface="微软雅黑" panose="020B0503020204020204" pitchFamily="34" charset="-122"/>
+                <a:ea typeface="微软雅黑" panose="020B0503020204020204" pitchFamily="34" charset="-122"/>
+              </a:rPr>
+              <a:t>、</a:t>
+            </a:r>
+            <a:r>
+              <a:rPr lang="en-US" altLang="zh-CN" dirty="0">
+                <a:latin typeface="微软雅黑" panose="020B0503020204020204" pitchFamily="34" charset="-122"/>
+                <a:ea typeface="微软雅黑" panose="020B0503020204020204" pitchFamily="34" charset="-122"/>
+              </a:rPr>
+              <a:t>D</a:t>
+            </a:r>
+            <a:r>
+              <a:rPr lang="zh-CN" altLang="en-US" dirty="0">
+                <a:latin typeface="微软雅黑" panose="020B0503020204020204" pitchFamily="34" charset="-122"/>
+                <a:ea typeface="微软雅黑" panose="020B0503020204020204" pitchFamily="34" charset="-122"/>
+              </a:rPr>
+              <a:t>四个级别，</a:t>
+            </a:r>
+            <a:r>
+              <a:rPr lang="en-US" altLang="zh-CN" dirty="0">
+                <a:latin typeface="微软雅黑" panose="020B0503020204020204" pitchFamily="34" charset="-122"/>
+                <a:ea typeface="微软雅黑" panose="020B0503020204020204" pitchFamily="34" charset="-122"/>
+              </a:rPr>
+              <a:t>A</a:t>
+            </a:r>
+            <a:r>
+              <a:rPr lang="zh-CN" altLang="en-US" dirty="0">
+                <a:latin typeface="微软雅黑" panose="020B0503020204020204" pitchFamily="34" charset="-122"/>
+                <a:ea typeface="微软雅黑" panose="020B0503020204020204" pitchFamily="34" charset="-122"/>
+              </a:rPr>
+              <a:t>级：本次工作量最大的成员，拿满分</a:t>
+            </a:r>
+            <a:r>
+              <a:rPr lang="en-US" altLang="zh-CN" dirty="0">
+                <a:latin typeface="微软雅黑" panose="020B0503020204020204" pitchFamily="34" charset="-122"/>
+                <a:ea typeface="微软雅黑" panose="020B0503020204020204" pitchFamily="34" charset="-122"/>
+              </a:rPr>
+              <a:t>30</a:t>
+            </a:r>
+            <a:r>
+              <a:rPr lang="zh-CN" altLang="en-US" dirty="0">
+                <a:latin typeface="微软雅黑" panose="020B0503020204020204" pitchFamily="34" charset="-122"/>
+                <a:ea typeface="微软雅黑" panose="020B0503020204020204" pitchFamily="34" charset="-122"/>
+              </a:rPr>
+              <a:t>。</a:t>
+            </a:r>
+            <a:r>
+              <a:rPr lang="en-US" altLang="zh-CN" dirty="0">
+                <a:latin typeface="微软雅黑" panose="020B0503020204020204" pitchFamily="34" charset="-122"/>
+                <a:ea typeface="微软雅黑" panose="020B0503020204020204" pitchFamily="34" charset="-122"/>
+              </a:rPr>
+              <a:t>B</a:t>
+            </a:r>
+            <a:r>
+              <a:rPr lang="zh-CN" altLang="en-US" dirty="0">
+                <a:latin typeface="微软雅黑" panose="020B0503020204020204" pitchFamily="34" charset="-122"/>
+                <a:ea typeface="微软雅黑" panose="020B0503020204020204" pitchFamily="34" charset="-122"/>
+              </a:rPr>
+              <a:t>级：本次工作量第二大的成员，</a:t>
+            </a:r>
+            <a:r>
+              <a:rPr lang="en-US" altLang="zh-CN" dirty="0">
+                <a:latin typeface="微软雅黑" panose="020B0503020204020204" pitchFamily="34" charset="-122"/>
+                <a:ea typeface="微软雅黑" panose="020B0503020204020204" pitchFamily="34" charset="-122"/>
+              </a:rPr>
+              <a:t>27</a:t>
+            </a:r>
+            <a:r>
+              <a:rPr lang="zh-CN" altLang="en-US" dirty="0">
+                <a:latin typeface="微软雅黑" panose="020B0503020204020204" pitchFamily="34" charset="-122"/>
+                <a:ea typeface="微软雅黑" panose="020B0503020204020204" pitchFamily="34" charset="-122"/>
+              </a:rPr>
+              <a:t>分。</a:t>
+            </a:r>
+            <a:r>
+              <a:rPr lang="en-US" altLang="zh-CN" dirty="0">
+                <a:latin typeface="微软雅黑" panose="020B0503020204020204" pitchFamily="34" charset="-122"/>
+                <a:ea typeface="微软雅黑" panose="020B0503020204020204" pitchFamily="34" charset="-122"/>
+              </a:rPr>
+              <a:t>C</a:t>
+            </a:r>
+            <a:r>
+              <a:rPr lang="zh-CN" altLang="en-US" dirty="0">
+                <a:latin typeface="微软雅黑" panose="020B0503020204020204" pitchFamily="34" charset="-122"/>
+                <a:ea typeface="微软雅黑" panose="020B0503020204020204" pitchFamily="34" charset="-122"/>
+              </a:rPr>
+              <a:t>级：本次工作量第三大的成员，</a:t>
+            </a:r>
+            <a:r>
+              <a:rPr lang="en-US" altLang="zh-CN" dirty="0">
+                <a:latin typeface="微软雅黑" panose="020B0503020204020204" pitchFamily="34" charset="-122"/>
+                <a:ea typeface="微软雅黑" panose="020B0503020204020204" pitchFamily="34" charset="-122"/>
+              </a:rPr>
+              <a:t>24</a:t>
+            </a:r>
+            <a:r>
+              <a:rPr lang="zh-CN" altLang="en-US" dirty="0">
+                <a:latin typeface="微软雅黑" panose="020B0503020204020204" pitchFamily="34" charset="-122"/>
+                <a:ea typeface="微软雅黑" panose="020B0503020204020204" pitchFamily="34" charset="-122"/>
+              </a:rPr>
+              <a:t>分 </a:t>
+            </a:r>
+            <a:r>
+              <a:rPr lang="en-US" altLang="zh-CN" dirty="0">
+                <a:latin typeface="微软雅黑" panose="020B0503020204020204" pitchFamily="34" charset="-122"/>
+                <a:ea typeface="微软雅黑" panose="020B0503020204020204" pitchFamily="34" charset="-122"/>
+              </a:rPr>
+              <a:t>D</a:t>
+            </a:r>
+            <a:r>
+              <a:rPr lang="zh-CN" altLang="en-US" dirty="0">
+                <a:latin typeface="微软雅黑" panose="020B0503020204020204" pitchFamily="34" charset="-122"/>
+                <a:ea typeface="微软雅黑" panose="020B0503020204020204" pitchFamily="34" charset="-122"/>
+              </a:rPr>
+              <a:t>级：本次工作量最小的成员，</a:t>
+            </a:r>
+            <a:r>
+              <a:rPr lang="en-US" altLang="zh-CN" dirty="0">
+                <a:latin typeface="微软雅黑" panose="020B0503020204020204" pitchFamily="34" charset="-122"/>
+                <a:ea typeface="微软雅黑" panose="020B0503020204020204" pitchFamily="34" charset="-122"/>
+              </a:rPr>
+              <a:t>21</a:t>
+            </a:r>
+            <a:r>
+              <a:rPr lang="zh-CN" altLang="en-US" dirty="0">
+                <a:latin typeface="微软雅黑" panose="020B0503020204020204" pitchFamily="34" charset="-122"/>
+                <a:ea typeface="微软雅黑" panose="020B0503020204020204" pitchFamily="34" charset="-122"/>
+              </a:rPr>
+              <a:t>分。</a:t>
+            </a:r>
+          </a:p>
+          <a:p>
+            <a:r>
+              <a:rPr lang="zh-CN" altLang="en-US" dirty="0">
+                <a:latin typeface="微软雅黑" panose="020B0503020204020204" pitchFamily="34" charset="-122"/>
+                <a:ea typeface="微软雅黑" panose="020B0503020204020204" pitchFamily="34" charset="-122"/>
+              </a:rPr>
+              <a:t>注：参与工作量评价的拿到对应分数的前提是工作项完成率是</a:t>
+            </a:r>
+            <a:r>
+              <a:rPr lang="en-US" altLang="zh-CN" dirty="0">
+                <a:latin typeface="微软雅黑" panose="020B0503020204020204" pitchFamily="34" charset="-122"/>
+                <a:ea typeface="微软雅黑" panose="020B0503020204020204" pitchFamily="34" charset="-122"/>
+              </a:rPr>
+              <a:t>100%</a:t>
+            </a:r>
+            <a:r>
+              <a:rPr lang="zh-CN" altLang="en-US" dirty="0">
+                <a:latin typeface="微软雅黑" panose="020B0503020204020204" pitchFamily="34" charset="-122"/>
+                <a:ea typeface="微软雅黑" panose="020B0503020204020204" pitchFamily="34" charset="-122"/>
+              </a:rPr>
+              <a:t>且没有延误，如果没有，需要扣分。</a:t>
+            </a:r>
+          </a:p>
+          <a:p>
+            <a:r>
+              <a:rPr lang="zh-CN" altLang="en-US" dirty="0">
+                <a:latin typeface="微软雅黑" panose="020B0503020204020204" pitchFamily="34" charset="-122"/>
+                <a:ea typeface="微软雅黑" panose="020B0503020204020204" pitchFamily="34" charset="-122"/>
+              </a:rPr>
+              <a:t>组内互评：不能评价自己，取均值。</a:t>
+            </a:r>
+          </a:p>
+        </p:txBody>
+      </p:sp>
+    </p:spTree>
+    <p:extLst>
+      <p:ext uri="{BB962C8B-B14F-4D97-AF65-F5344CB8AC3E}">
+        <p14:creationId xmlns:p14="http://schemas.microsoft.com/office/powerpoint/2010/main" val="2029499480"/>
+      </p:ext>
+    </p:extLst>
+  </p:cSld>
+  <p:clrMapOvr>
+    <a:masterClrMapping/>
+  </p:clrMapOvr>
+</p:sld>
+</file>
+
+<file path=ppt/slides/slide12.xml><?xml version="1.0" encoding="utf-8"?>
+<p:sld xmlns:a="http://schemas.openxmlformats.org/drawingml/2006/main" xmlns:r="http://schemas.openxmlformats.org/officeDocument/2006/relationships" xmlns:p="http://schemas.openxmlformats.org/presentationml/2006/main">
+  <p:cSld>
     <p:bg>
       <p:bgPr>
         <a:solidFill>
@@ -6227,6 +6949,45 @@
             <a:r>
               <a:rPr lang="zh-CN" altLang="en-US" dirty="0"/>
               <a:t>参考文献</a:t>
+            </a:r>
+          </a:p>
+        </p:txBody>
+      </p:sp>
+      <p:sp>
+        <p:nvSpPr>
+          <p:cNvPr id="2" name="文本框 1">
+            <a:extLst>
+              <a:ext uri="{FF2B5EF4-FFF2-40B4-BE49-F238E27FC236}">
+                <a16:creationId xmlns:a16="http://schemas.microsoft.com/office/drawing/2014/main" id="{145D9BDB-6F6D-33C6-80D1-CEF9B3693481}"/>
+              </a:ext>
+            </a:extLst>
+          </p:cNvPr>
+          <p:cNvSpPr txBox="1"/>
+          <p:nvPr/>
+        </p:nvSpPr>
+        <p:spPr>
+          <a:xfrm>
+            <a:off x="5797118" y="2099628"/>
+            <a:ext cx="2777234" cy="369332"/>
+          </a:xfrm>
+          <a:prstGeom prst="rect">
+            <a:avLst/>
+          </a:prstGeom>
+          <a:noFill/>
+        </p:spPr>
+        <p:txBody>
+          <a:bodyPr wrap="square" rtlCol="0">
+            <a:spAutoFit/>
+          </a:bodyPr>
+          <a:lstStyle/>
+          <a:p>
+            <a:r>
+              <a:rPr lang="en-US" altLang="zh-CN" dirty="0"/>
+              <a:t>9.</a:t>
+            </a:r>
+            <a:r>
+              <a:rPr lang="zh-CN" altLang="en-US" dirty="0"/>
+              <a:t>团队分工打分</a:t>
             </a:r>
           </a:p>
         </p:txBody>
@@ -7521,7 +8282,7 @@
             <a:pPr rtl="0"/>
             <a:fld id="{A24A4C0A-F292-41BE-9CD1-530467B1B9F8}" type="datetime1">
               <a:rPr lang="zh-CN" altLang="en-US" smtClean="0"/>
-              <a:t>2024/6/3</a:t>
+              <a:t>2024/6/4</a:t>
             </a:fld>
             <a:endParaRPr lang="en-US" dirty="0"/>
           </a:p>
